--- a/ITA.pptx
+++ b/ITA.pptx
@@ -6707,7 +6707,7 @@
         <p:spPr>
           <a:xfrm>
             <a:off x="1884450" y="3008425"/>
-            <a:ext cx="5375100" cy="492600"/>
+            <a:ext cx="5375100" cy="661800"/>
           </a:xfrm>
           <a:prstGeom prst="rect">
             <a:avLst/>
@@ -6736,7 +6736,23 @@
               <a:rPr lang="en-GB" sz="2000"/>
               <a:t>Berk Can Özmen</a:t>
             </a:r>
-            <a:endParaRPr sz="2300"/>
+            <a:endParaRPr sz="2000"/>
+          </a:p>
+          <a:p>
+            <a:pPr indent="0" lvl="0" marL="0" rtl="0" algn="ctr">
+              <a:spcBef>
+                <a:spcPts val="0"/>
+              </a:spcBef>
+              <a:spcAft>
+                <a:spcPts val="0"/>
+              </a:spcAft>
+              <a:buNone/>
+            </a:pPr>
+            <a:r>
+              <a:rPr lang="en-GB" sz="1100"/>
+              <a:t>July 2021</a:t>
+            </a:r>
+            <a:endParaRPr sz="1100"/>
           </a:p>
         </p:txBody>
       </p:sp>
